--- a/process/NistMOSv1.pptx
+++ b/process/NistMOSv1.pptx
@@ -119,6 +119,11 @@
       </a:defRPr>
     </a:lvl9pPr>
   </p:defaultTextStyle>
+  <p:extLst>
+    <p:ext uri="{EFAFB233-063F-42B5-8137-9DF3F51BA10A}">
+      <p15:sldGuideLst xmlns:p15="http://schemas.microsoft.com/office/powerpoint/2012/main"/>
+    </p:ext>
+  </p:extLst>
 </p:presentation>
 </file>
 
@@ -269,7 +274,7 @@
           <a:p>
             <a:fld id="{7A3CA869-6014-E54F-801E-326696B8D2EC}" type="datetimeFigureOut">
               <a:rPr lang="en-US" smtClean="0"/>
-              <a:t>5/9/20</a:t>
+              <a:t>10/26/2020</a:t>
             </a:fld>
             <a:endParaRPr lang="en-US"/>
           </a:p>
@@ -467,7 +472,7 @@
           <a:p>
             <a:fld id="{7A3CA869-6014-E54F-801E-326696B8D2EC}" type="datetimeFigureOut">
               <a:rPr lang="en-US" smtClean="0"/>
-              <a:t>5/9/20</a:t>
+              <a:t>10/26/2020</a:t>
             </a:fld>
             <a:endParaRPr lang="en-US"/>
           </a:p>
@@ -675,7 +680,7 @@
           <a:p>
             <a:fld id="{7A3CA869-6014-E54F-801E-326696B8D2EC}" type="datetimeFigureOut">
               <a:rPr lang="en-US" smtClean="0"/>
-              <a:t>5/9/20</a:t>
+              <a:t>10/26/2020</a:t>
             </a:fld>
             <a:endParaRPr lang="en-US"/>
           </a:p>
@@ -873,7 +878,7 @@
           <a:p>
             <a:fld id="{7A3CA869-6014-E54F-801E-326696B8D2EC}" type="datetimeFigureOut">
               <a:rPr lang="en-US" smtClean="0"/>
-              <a:t>5/9/20</a:t>
+              <a:t>10/26/2020</a:t>
             </a:fld>
             <a:endParaRPr lang="en-US"/>
           </a:p>
@@ -1148,7 +1153,7 @@
           <a:p>
             <a:fld id="{7A3CA869-6014-E54F-801E-326696B8D2EC}" type="datetimeFigureOut">
               <a:rPr lang="en-US" smtClean="0"/>
-              <a:t>5/9/20</a:t>
+              <a:t>10/26/2020</a:t>
             </a:fld>
             <a:endParaRPr lang="en-US"/>
           </a:p>
@@ -1413,7 +1418,7 @@
           <a:p>
             <a:fld id="{7A3CA869-6014-E54F-801E-326696B8D2EC}" type="datetimeFigureOut">
               <a:rPr lang="en-US" smtClean="0"/>
-              <a:t>5/9/20</a:t>
+              <a:t>10/26/2020</a:t>
             </a:fld>
             <a:endParaRPr lang="en-US"/>
           </a:p>
@@ -1825,7 +1830,7 @@
           <a:p>
             <a:fld id="{7A3CA869-6014-E54F-801E-326696B8D2EC}" type="datetimeFigureOut">
               <a:rPr lang="en-US" smtClean="0"/>
-              <a:t>5/9/20</a:t>
+              <a:t>10/26/2020</a:t>
             </a:fld>
             <a:endParaRPr lang="en-US"/>
           </a:p>
@@ -1966,7 +1971,7 @@
           <a:p>
             <a:fld id="{7A3CA869-6014-E54F-801E-326696B8D2EC}" type="datetimeFigureOut">
               <a:rPr lang="en-US" smtClean="0"/>
-              <a:t>5/9/20</a:t>
+              <a:t>10/26/2020</a:t>
             </a:fld>
             <a:endParaRPr lang="en-US"/>
           </a:p>
@@ -2079,7 +2084,7 @@
           <a:p>
             <a:fld id="{7A3CA869-6014-E54F-801E-326696B8D2EC}" type="datetimeFigureOut">
               <a:rPr lang="en-US" smtClean="0"/>
-              <a:t>5/9/20</a:t>
+              <a:t>10/26/2020</a:t>
             </a:fld>
             <a:endParaRPr lang="en-US"/>
           </a:p>
@@ -2390,7 +2395,7 @@
           <a:p>
             <a:fld id="{7A3CA869-6014-E54F-801E-326696B8D2EC}" type="datetimeFigureOut">
               <a:rPr lang="en-US" smtClean="0"/>
-              <a:t>5/9/20</a:t>
+              <a:t>10/26/2020</a:t>
             </a:fld>
             <a:endParaRPr lang="en-US"/>
           </a:p>
@@ -2678,7 +2683,7 @@
           <a:p>
             <a:fld id="{7A3CA869-6014-E54F-801E-326696B8D2EC}" type="datetimeFigureOut">
               <a:rPr lang="en-US" smtClean="0"/>
-              <a:t>5/9/20</a:t>
+              <a:t>10/26/2020</a:t>
             </a:fld>
             <a:endParaRPr lang="en-US"/>
           </a:p>
@@ -2919,7 +2924,7 @@
           <a:p>
             <a:fld id="{7A3CA869-6014-E54F-801E-326696B8D2EC}" type="datetimeFigureOut">
               <a:rPr lang="en-US" smtClean="0"/>
-              <a:t>5/9/20</a:t>
+              <a:t>10/26/2020</a:t>
             </a:fld>
             <a:endParaRPr lang="en-US"/>
           </a:p>
@@ -10983,31 +10988,6 @@
               <a:rPr lang="en-US" dirty="0"/>
               <a:t>P-type Silicon</a:t>
             </a:r>
-          </a:p>
-        </p:txBody>
-      </p:sp>
-      <p:sp>
-        <p:nvSpPr>
-          <p:cNvPr id="9" name="Title 8">
-            <a:extLst>
-              <a:ext uri="{FF2B5EF4-FFF2-40B4-BE49-F238E27FC236}">
-                <a16:creationId xmlns:a16="http://schemas.microsoft.com/office/drawing/2014/main" id="{EC8AB101-470D-E74E-8912-2B183FE0C016}"/>
-              </a:ext>
-            </a:extLst>
-          </p:cNvPr>
-          <p:cNvSpPr>
-            <a:spLocks noGrp="1"/>
-          </p:cNvSpPr>
-          <p:nvPr>
-            <p:ph type="title"/>
-          </p:nvPr>
-        </p:nvSpPr>
-        <p:spPr/>
-        <p:txBody>
-          <a:bodyPr/>
-          <a:lstStyle/>
-          <a:p>
-            <a:endParaRPr lang="en-US"/>
           </a:p>
         </p:txBody>
       </p:sp>
